--- a/LectureNotes/day2.pptx
+++ b/LectureNotes/day2.pptx
@@ -4061,11 +4061,7 @@
             </a:r>
             <a:r>
               <a:rPr lang="ko-KR" altLang="en-US" b="0" dirty="0" smtClean="0"/>
-              <a:t> </a:t>
-            </a:r>
-            <a:r>
-              <a:rPr lang="ko-KR" altLang="en-US" b="0" dirty="0" smtClean="0"/>
-              <a:t>정렬</a:t>
+              <a:t> 정렬</a:t>
             </a:r>
             <a:endParaRPr lang="ko-KR" altLang="en-US" dirty="0"/>
           </a:p>
@@ -4533,7 +4529,13 @@
           <p:cNvGraphicFramePr>
             <a:graphicFrameLocks noChangeAspect="1"/>
           </p:cNvGraphicFramePr>
-          <p:nvPr/>
+          <p:nvPr>
+            <p:extLst>
+              <p:ext uri="{D42A27DB-BD31-4B8C-83A1-F6EECF244321}">
+                <p14:modId xmlns:p14="http://schemas.microsoft.com/office/powerpoint/2010/main" val="1445249132"/>
+              </p:ext>
+            </p:extLst>
+          </p:nvPr>
         </p:nvGraphicFramePr>
         <p:xfrm>
           <a:off x="2143108" y="1714488"/>
@@ -4543,7 +4545,7 @@
           <a:graphicData uri="http://schemas.openxmlformats.org/presentationml/2006/ole">
             <mc:AlternateContent xmlns:mc="http://schemas.openxmlformats.org/markup-compatibility/2006">
               <mc:Choice xmlns:v="urn:schemas-microsoft-com:vml" Requires="v">
-                <p:oleObj spid="_x0000_s10246" r:id="rId3" imgW="3540150" imgH="2014614" progId="">
+                <p:oleObj spid="_x0000_s10254" r:id="rId3" imgW="3540150" imgH="2014614" progId="">
                   <p:embed/>
                 </p:oleObj>
               </mc:Choice>
@@ -4579,16 +4581,10 @@
                       <a:prstGeom prst="rect">
                         <a:avLst/>
                       </a:prstGeom>
-                      <a:noFill/>
-                      <a:extLst>
-                        <a:ext uri="{909E8E84-426E-40DD-AFC4-6F175D3DCCD1}">
-                          <a14:hiddenFill xmlns:a14="http://schemas.microsoft.com/office/drawing/2010/main">
-                            <a:solidFill>
-                              <a:srgbClr val="FFFFFF"/>
-                            </a:solidFill>
-                          </a14:hiddenFill>
-                        </a:ext>
-                      </a:extLst>
+                      <a:solidFill>
+                        <a:schemeClr val="tx1"/>
+                      </a:solidFill>
+                      <a:extLst/>
                     </p:spPr>
                   </p:pic>
                 </p:oleObj>
@@ -4613,7 +4609,7 @@
           <a:graphicData uri="http://schemas.openxmlformats.org/presentationml/2006/ole">
             <mc:AlternateContent xmlns:mc="http://schemas.openxmlformats.org/markup-compatibility/2006">
               <mc:Choice xmlns:v="urn:schemas-microsoft-com:vml" Requires="v">
-                <p:oleObj spid="_x0000_s10247" name="수식" r:id="rId5" imgW="507960" imgH="215640" progId="Equation.3">
+                <p:oleObj spid="_x0000_s10255" name="수식" r:id="rId5" imgW="507960" imgH="215640" progId="Equation.3">
                   <p:embed/>
                 </p:oleObj>
               </mc:Choice>
@@ -4824,7 +4820,13 @@
           <p:cNvGraphicFramePr>
             <a:graphicFrameLocks noChangeAspect="1"/>
           </p:cNvGraphicFramePr>
-          <p:nvPr/>
+          <p:nvPr>
+            <p:extLst>
+              <p:ext uri="{D42A27DB-BD31-4B8C-83A1-F6EECF244321}">
+                <p14:modId xmlns:p14="http://schemas.microsoft.com/office/powerpoint/2010/main" val="4023122832"/>
+              </p:ext>
+            </p:extLst>
+          </p:nvPr>
         </p:nvGraphicFramePr>
         <p:xfrm>
           <a:off x="2143108" y="2857496"/>
@@ -4834,7 +4836,7 @@
           <a:graphicData uri="http://schemas.openxmlformats.org/presentationml/2006/ole">
             <mc:AlternateContent xmlns:mc="http://schemas.openxmlformats.org/markup-compatibility/2006">
               <mc:Choice xmlns:v="urn:schemas-microsoft-com:vml" Requires="v">
-                <p:oleObj spid="_x0000_s10248" r:id="rId8" imgW="3531210" imgH="4174701" progId="">
+                <p:oleObj spid="_x0000_s10256" r:id="rId8" imgW="3531210" imgH="4174701" progId="">
                   <p:embed/>
                 </p:oleObj>
               </mc:Choice>
@@ -4870,16 +4872,10 @@
                       <a:prstGeom prst="rect">
                         <a:avLst/>
                       </a:prstGeom>
-                      <a:noFill/>
-                      <a:extLst>
-                        <a:ext uri="{909E8E84-426E-40DD-AFC4-6F175D3DCCD1}">
-                          <a14:hiddenFill xmlns:a14="http://schemas.microsoft.com/office/drawing/2010/main">
-                            <a:solidFill>
-                              <a:srgbClr val="FFFFFF"/>
-                            </a:solidFill>
-                          </a14:hiddenFill>
-                        </a:ext>
-                      </a:extLst>
+                      <a:solidFill>
+                        <a:schemeClr val="tx1"/>
+                      </a:solidFill>
+                      <a:extLst/>
                     </p:spPr>
                   </p:pic>
                 </p:oleObj>
@@ -5012,7 +5008,13 @@
           <p:cNvGraphicFramePr>
             <a:graphicFrameLocks noChangeAspect="1"/>
           </p:cNvGraphicFramePr>
-          <p:nvPr/>
+          <p:nvPr>
+            <p:extLst>
+              <p:ext uri="{D42A27DB-BD31-4B8C-83A1-F6EECF244321}">
+                <p14:modId xmlns:p14="http://schemas.microsoft.com/office/powerpoint/2010/main" val="403815253"/>
+              </p:ext>
+            </p:extLst>
+          </p:nvPr>
         </p:nvGraphicFramePr>
         <p:xfrm>
           <a:off x="2143109" y="5214950"/>
@@ -5022,7 +5024,7 @@
           <a:graphicData uri="http://schemas.openxmlformats.org/presentationml/2006/ole">
             <mc:AlternateContent xmlns:mc="http://schemas.openxmlformats.org/markup-compatibility/2006">
               <mc:Choice xmlns:v="urn:schemas-microsoft-com:vml" Requires="v">
-                <p:oleObj spid="_x0000_s10249" r:id="rId10" imgW="3526739" imgH="3094861" progId="">
+                <p:oleObj spid="_x0000_s10257" r:id="rId10" imgW="3526739" imgH="3094861" progId="">
                   <p:embed/>
                 </p:oleObj>
               </mc:Choice>
@@ -5058,16 +5060,10 @@
                       <a:prstGeom prst="rect">
                         <a:avLst/>
                       </a:prstGeom>
-                      <a:noFill/>
-                      <a:extLst>
-                        <a:ext uri="{909E8E84-426E-40DD-AFC4-6F175D3DCCD1}">
-                          <a14:hiddenFill xmlns:a14="http://schemas.microsoft.com/office/drawing/2010/main">
-                            <a:solidFill>
-                              <a:srgbClr val="FFFFFF"/>
-                            </a:solidFill>
-                          </a14:hiddenFill>
-                        </a:ext>
-                      </a:extLst>
+                      <a:solidFill>
+                        <a:schemeClr val="tx1"/>
+                      </a:solidFill>
+                      <a:extLst/>
                     </p:spPr>
                   </p:pic>
                 </p:oleObj>
@@ -5425,75 +5421,7 @@
             </a:r>
             <a:r>
               <a:rPr lang="en-US" altLang="ko-KR" sz="1600" dirty="0" smtClean="0"/>
-              <a:t>30              </a:t>
-            </a:r>
-            <a:r>
-              <a:rPr lang="en-US" altLang="ko-KR" sz="1600" dirty="0" smtClean="0"/>
-              <a:t>20    </a:t>
-            </a:r>
-            <a:r>
-              <a:rPr lang="en-US" altLang="ko-KR" sz="1600" dirty="0" smtClean="0"/>
-              <a:t>         </a:t>
-            </a:r>
-            <a:r>
-              <a:rPr lang="en-US" altLang="ko-KR" sz="1600" dirty="0" smtClean="0"/>
-              <a:t>40    </a:t>
-            </a:r>
-            <a:r>
-              <a:rPr lang="en-US" altLang="ko-KR" sz="1600" dirty="0" smtClean="0"/>
-              <a:t>         </a:t>
-            </a:r>
-            <a:r>
-              <a:rPr lang="en-US" altLang="ko-KR" sz="1600" dirty="0" smtClean="0"/>
-              <a:t>35    </a:t>
-            </a:r>
-            <a:r>
-              <a:rPr lang="en-US" altLang="ko-KR" sz="1600" dirty="0" smtClean="0"/>
-              <a:t>           </a:t>
-            </a:r>
-            <a:r>
-              <a:rPr lang="en-US" altLang="ko-KR" sz="1600" dirty="0" smtClean="0"/>
-              <a:t>5   </a:t>
-            </a:r>
-            <a:r>
-              <a:rPr lang="en-US" altLang="ko-KR" sz="1600" dirty="0" smtClean="0"/>
-              <a:t>                </a:t>
-            </a:r>
-            <a:r>
-              <a:rPr lang="en-US" altLang="ko-KR" sz="1600" dirty="0" smtClean="0"/>
-              <a:t>50    </a:t>
-            </a:r>
-            <a:r>
-              <a:rPr lang="en-US" altLang="ko-KR" sz="1600" dirty="0" smtClean="0"/>
-              <a:t>          </a:t>
-            </a:r>
-            <a:r>
-              <a:rPr lang="en-US" altLang="ko-KR" sz="1600" dirty="0" smtClean="0"/>
-              <a:t>45 </a:t>
-            </a:r>
-            <a:r>
-              <a:rPr lang="en-US" altLang="ko-KR" sz="1600" dirty="0" smtClean="0"/>
-              <a:t>            </a:t>
-            </a:r>
-            <a:r>
-              <a:rPr lang="en-US" altLang="ko-KR" sz="1600" dirty="0" smtClean="0"/>
-              <a:t>10     </a:t>
-            </a:r>
-            <a:r>
-              <a:rPr lang="en-US" altLang="ko-KR" sz="1600" dirty="0" smtClean="0"/>
-              <a:t>         </a:t>
-            </a:r>
-            <a:r>
-              <a:rPr lang="en-US" altLang="ko-KR" sz="1600" dirty="0" smtClean="0"/>
-              <a:t>25     </a:t>
-            </a:r>
-            <a:r>
-              <a:rPr lang="en-US" altLang="ko-KR" sz="1600" dirty="0" smtClean="0"/>
-              <a:t>         </a:t>
-            </a:r>
-            <a:r>
-              <a:rPr lang="en-US" altLang="ko-KR" sz="1600" dirty="0" smtClean="0"/>
-              <a:t>15</a:t>
+              <a:t>30              20             40             35               5                   50              45             10              25              15</a:t>
             </a:r>
           </a:p>
           <a:p>
@@ -5746,27 +5674,11 @@
                   <a:srgbClr val="FF3300"/>
                 </a:solidFill>
               </a:rPr>
-              <a:t>  </a:t>
-            </a:r>
-            <a:r>
-              <a:rPr lang="en-US" altLang="ko-KR" sz="1600" dirty="0" smtClean="0">
-                <a:solidFill>
-                  <a:srgbClr val="FF3300"/>
-                </a:solidFill>
-              </a:rPr>
-              <a:t>      </a:t>
+              <a:t>        </a:t>
             </a:r>
             <a:r>
               <a:rPr lang="en-US" altLang="ko-KR" sz="1600" dirty="0" smtClean="0"/>
-              <a:t>20          30                                        </a:t>
-            </a:r>
-            <a:r>
-              <a:rPr lang="en-US" altLang="ko-KR" sz="1600" dirty="0" smtClean="0"/>
-              <a:t>                                     </a:t>
-            </a:r>
-            <a:r>
-              <a:rPr lang="en-US" altLang="ko-KR" sz="1600" dirty="0" smtClean="0"/>
-              <a:t>45         50</a:t>
+              <a:t>20          30                                                                             45         50</a:t>
             </a:r>
           </a:p>
           <a:p>
@@ -5813,43 +5725,11 @@
                   <a:srgbClr val="FF3300"/>
                 </a:solidFill>
               </a:rPr>
-              <a:t>  </a:t>
-            </a:r>
-            <a:r>
-              <a:rPr lang="en-US" altLang="ko-KR" sz="1600" dirty="0" smtClean="0">
-                <a:solidFill>
-                  <a:srgbClr val="FF3300"/>
-                </a:solidFill>
-              </a:rPr>
-              <a:t>       </a:t>
+              <a:t>         </a:t>
             </a:r>
             <a:r>
               <a:rPr lang="en-US" altLang="ko-KR" sz="1600" dirty="0" smtClean="0"/>
-              <a:t>20          30         40           </a:t>
-            </a:r>
-            <a:r>
-              <a:rPr lang="en-US" altLang="ko-KR" sz="1600" dirty="0" smtClean="0"/>
-              <a:t>                  5          </a:t>
-            </a:r>
-            <a:r>
-              <a:rPr lang="en-US" altLang="ko-KR" sz="1600" dirty="0" smtClean="0"/>
-              <a:t>35        </a:t>
-            </a:r>
-            <a:r>
-              <a:rPr lang="en-US" altLang="ko-KR" sz="1600" dirty="0" smtClean="0"/>
-              <a:t>        10          </a:t>
-            </a:r>
-            <a:r>
-              <a:rPr lang="en-US" altLang="ko-KR" sz="1600" dirty="0" smtClean="0"/>
-              <a:t>45         50         </a:t>
-            </a:r>
-            <a:r>
-              <a:rPr lang="en-US" altLang="ko-KR" sz="1600" dirty="0" smtClean="0"/>
-              <a:t>                15         </a:t>
-            </a:r>
-            <a:r>
-              <a:rPr lang="en-US" altLang="ko-KR" sz="1600" dirty="0" smtClean="0"/>
-              <a:t>25</a:t>
+              <a:t>20          30         40                             5          35                10          45         50                         15         25</a:t>
             </a:r>
           </a:p>
           <a:p>
@@ -5900,51 +5780,7 @@
             </a:r>
             <a:r>
               <a:rPr lang="en-US" altLang="ko-KR" sz="1600" dirty="0" smtClean="0"/>
-              <a:t>       </a:t>
-            </a:r>
-            <a:r>
-              <a:rPr lang="en-US" altLang="ko-KR" sz="1600" dirty="0" smtClean="0"/>
-              <a:t>5          </a:t>
-            </a:r>
-            <a:r>
-              <a:rPr lang="en-US" altLang="ko-KR" sz="1600" dirty="0" smtClean="0"/>
-              <a:t>     </a:t>
-            </a:r>
-            <a:r>
-              <a:rPr lang="en-US" altLang="ko-KR" sz="1600" dirty="0" smtClean="0"/>
-              <a:t>20  </a:t>
-            </a:r>
-            <a:r>
-              <a:rPr lang="en-US" altLang="ko-KR" sz="1600" dirty="0" smtClean="0"/>
-              <a:t>             </a:t>
-            </a:r>
-            <a:r>
-              <a:rPr lang="en-US" altLang="ko-KR" sz="1600" dirty="0" smtClean="0"/>
-              <a:t>30  </a:t>
-            </a:r>
-            <a:r>
-              <a:rPr lang="en-US" altLang="ko-KR" sz="1600" dirty="0" smtClean="0"/>
-              <a:t>          </a:t>
-            </a:r>
-            <a:r>
-              <a:rPr lang="en-US" altLang="ko-KR" sz="1600" dirty="0" smtClean="0"/>
-              <a:t>35   </a:t>
-            </a:r>
-            <a:r>
-              <a:rPr lang="en-US" altLang="ko-KR" sz="1600" dirty="0" smtClean="0"/>
-              <a:t>           40                  10           </a:t>
-            </a:r>
-            <a:r>
-              <a:rPr lang="en-US" altLang="ko-KR" sz="1600" dirty="0" smtClean="0"/>
-              <a:t>15         </a:t>
-            </a:r>
-            <a:r>
-              <a:rPr lang="en-US" altLang="ko-KR" sz="1600" dirty="0" smtClean="0"/>
-              <a:t>   25             45             </a:t>
-            </a:r>
-            <a:r>
-              <a:rPr lang="en-US" altLang="ko-KR" sz="1600" dirty="0" smtClean="0"/>
-              <a:t>50</a:t>
+              <a:t>       5               20               30            35              40                  10           15            25             45             50</a:t>
             </a:r>
           </a:p>
           <a:p>
@@ -5987,71 +5823,7 @@
             </a:r>
             <a:r>
               <a:rPr lang="en-US" altLang="ko-KR" sz="1600" dirty="0" smtClean="0"/>
-              <a:t>5 </a:t>
-            </a:r>
-            <a:r>
-              <a:rPr lang="en-US" altLang="ko-KR" sz="1600" dirty="0" smtClean="0"/>
-              <a:t>              </a:t>
-            </a:r>
-            <a:r>
-              <a:rPr lang="en-US" altLang="ko-KR" sz="1600" dirty="0" smtClean="0"/>
-              <a:t>10    </a:t>
-            </a:r>
-            <a:r>
-              <a:rPr lang="en-US" altLang="ko-KR" sz="1600" dirty="0" smtClean="0"/>
-              <a:t>         15            </a:t>
-            </a:r>
-            <a:r>
-              <a:rPr lang="en-US" altLang="ko-KR" sz="1600" dirty="0" smtClean="0"/>
-              <a:t>20  </a:t>
-            </a:r>
-            <a:r>
-              <a:rPr lang="en-US" altLang="ko-KR" sz="1600" dirty="0" smtClean="0"/>
-              <a:t>           </a:t>
-            </a:r>
-            <a:r>
-              <a:rPr lang="en-US" altLang="ko-KR" sz="1600" dirty="0" smtClean="0"/>
-              <a:t>25   </a:t>
-            </a:r>
-            <a:r>
-              <a:rPr lang="en-US" altLang="ko-KR" sz="1600" dirty="0" smtClean="0"/>
-              <a:t>          </a:t>
-            </a:r>
-            <a:r>
-              <a:rPr lang="en-US" altLang="ko-KR" sz="1600" dirty="0" smtClean="0"/>
-              <a:t>30       </a:t>
-            </a:r>
-            <a:r>
-              <a:rPr lang="en-US" altLang="ko-KR" sz="1600" dirty="0" smtClean="0"/>
-              <a:t>       </a:t>
-            </a:r>
-            <a:r>
-              <a:rPr lang="en-US" altLang="ko-KR" sz="1600" dirty="0" smtClean="0"/>
-              <a:t>35       </a:t>
-            </a:r>
-            <a:r>
-              <a:rPr lang="en-US" altLang="ko-KR" sz="1600" dirty="0" smtClean="0"/>
-              <a:t>       </a:t>
-            </a:r>
-            <a:r>
-              <a:rPr lang="en-US" altLang="ko-KR" sz="1600" dirty="0" smtClean="0"/>
-              <a:t>40  </a:t>
-            </a:r>
-            <a:r>
-              <a:rPr lang="en-US" altLang="ko-KR" sz="1600" dirty="0" smtClean="0"/>
-              <a:t>            </a:t>
-            </a:r>
-            <a:r>
-              <a:rPr lang="en-US" altLang="ko-KR" sz="1600" dirty="0" smtClean="0"/>
-              <a:t>45    </a:t>
-            </a:r>
-            <a:r>
-              <a:rPr lang="en-US" altLang="ko-KR" sz="1600" dirty="0" smtClean="0"/>
-              <a:t>           </a:t>
-            </a:r>
-            <a:r>
-              <a:rPr lang="en-US" altLang="ko-KR" sz="1600" dirty="0" smtClean="0"/>
-              <a:t>50    </a:t>
+              <a:t>5               10             15            20             25             30              35              40              45               50    </a:t>
             </a:r>
           </a:p>
         </p:txBody>
@@ -9514,11 +9286,7 @@
             </a:r>
             <a:r>
               <a:rPr lang="ko-KR" altLang="en-US" b="0" dirty="0" smtClean="0"/>
-              <a:t> </a:t>
-            </a:r>
-            <a:r>
-              <a:rPr lang="ko-KR" altLang="en-US" b="0" dirty="0" smtClean="0"/>
-              <a:t>주요 기능</a:t>
+              <a:t> 주요 기능</a:t>
             </a:r>
             <a:r>
               <a:rPr lang="en-US" altLang="ko-KR" b="0" dirty="0" smtClean="0"/>
@@ -9586,7 +9354,7 @@
           <a:graphicData uri="http://schemas.openxmlformats.org/presentationml/2006/ole">
             <mc:AlternateContent xmlns:mc="http://schemas.openxmlformats.org/markup-compatibility/2006">
               <mc:Choice xmlns:v="urn:schemas-microsoft-com:vml" Requires="v">
-                <p:oleObj spid="_x0000_s12290" name="Visio" r:id="rId3" imgW="3994506" imgH="1710221" progId="Visio.Drawing.11">
+                <p:oleObj spid="_x0000_s12294" name="Visio" r:id="rId3" imgW="3994506" imgH="1710221" progId="Visio.Drawing.11">
                   <p:embed/>
                 </p:oleObj>
               </mc:Choice>
@@ -9694,7 +9462,7 @@
           <a:graphicData uri="http://schemas.openxmlformats.org/presentationml/2006/ole">
             <mc:AlternateContent xmlns:mc="http://schemas.openxmlformats.org/markup-compatibility/2006">
               <mc:Choice xmlns:v="urn:schemas-microsoft-com:vml" Requires="v">
-                <p:oleObj spid="_x0000_s12291" name="Visio" r:id="rId5" imgW="2824480" imgH="1680475" progId="Visio.Drawing.11">
+                <p:oleObj spid="_x0000_s12295" name="Visio" r:id="rId5" imgW="2824480" imgH="1680475" progId="Visio.Drawing.11">
                   <p:embed/>
                 </p:oleObj>
               </mc:Choice>
@@ -9864,11 +9632,7 @@
           <a:p>
             <a:r>
               <a:rPr lang="ko-KR" altLang="en-US" b="0" dirty="0" smtClean="0"/>
-              <a:t>큐의 </a:t>
-            </a:r>
-            <a:r>
-              <a:rPr lang="ko-KR" altLang="en-US" b="0" dirty="0" smtClean="0"/>
-              <a:t>주요 기능</a:t>
+              <a:t>큐의 주요 기능</a:t>
             </a:r>
             <a:r>
               <a:rPr lang="en-US" altLang="ko-KR" b="0" dirty="0" smtClean="0"/>
@@ -9936,7 +9700,7 @@
           <a:graphicData uri="http://schemas.openxmlformats.org/presentationml/2006/ole">
             <mc:AlternateContent xmlns:mc="http://schemas.openxmlformats.org/markup-compatibility/2006">
               <mc:Choice xmlns:v="urn:schemas-microsoft-com:vml" Requires="v">
-                <p:oleObj spid="_x0000_s13314" name="Visio" r:id="rId3" imgW="4786579" imgH="1494661" progId="Visio.Drawing.11">
+                <p:oleObj spid="_x0000_s13318" name="Visio" r:id="rId3" imgW="4786579" imgH="1494661" progId="Visio.Drawing.11">
                   <p:embed/>
                 </p:oleObj>
               </mc:Choice>
@@ -10044,7 +9808,7 @@
           <a:graphicData uri="http://schemas.openxmlformats.org/presentationml/2006/ole">
             <mc:AlternateContent xmlns:mc="http://schemas.openxmlformats.org/markup-compatibility/2006">
               <mc:Choice xmlns:v="urn:schemas-microsoft-com:vml" Requires="v">
-                <p:oleObj spid="_x0000_s13315" name="Visio" r:id="rId5" imgW="5002784" imgH="2664555" progId="Visio.Drawing.11">
+                <p:oleObj spid="_x0000_s13319" name="Visio" r:id="rId5" imgW="5002784" imgH="2664555" progId="Visio.Drawing.11">
                   <p:embed/>
                 </p:oleObj>
               </mc:Choice>
@@ -10182,11 +9946,7 @@
           <a:p>
             <a:r>
               <a:rPr lang="ko-KR" altLang="en-US" b="0" dirty="0" smtClean="0"/>
-              <a:t>큐의 </a:t>
-            </a:r>
-            <a:r>
-              <a:rPr lang="ko-KR" altLang="en-US" b="0" dirty="0" smtClean="0"/>
-              <a:t>주요 기능</a:t>
+              <a:t>큐의 주요 기능</a:t>
             </a:r>
             <a:r>
               <a:rPr lang="en-US" altLang="ko-KR" b="0" dirty="0" smtClean="0"/>
@@ -10330,7 +10090,7 @@
           <a:graphicData uri="http://schemas.openxmlformats.org/presentationml/2006/ole">
             <mc:AlternateContent xmlns:mc="http://schemas.openxmlformats.org/markup-compatibility/2006">
               <mc:Choice xmlns:v="urn:schemas-microsoft-com:vml" Requires="v">
-                <p:oleObj spid="_x0000_s14338" name="Visio" r:id="rId3" imgW="4246474" imgH="2664555" progId="Visio.Drawing.11">
+                <p:oleObj spid="_x0000_s14340" name="Visio" r:id="rId3" imgW="4246474" imgH="2664555" progId="Visio.Drawing.11">
                   <p:embed/>
                 </p:oleObj>
               </mc:Choice>
@@ -10506,11 +10266,7 @@
           <a:p>
             <a:r>
               <a:rPr lang="ko-KR" altLang="en-US" b="0" dirty="0" smtClean="0"/>
-              <a:t>우선순위 </a:t>
-            </a:r>
-            <a:r>
-              <a:rPr lang="ko-KR" altLang="en-US" b="0" dirty="0" smtClean="0"/>
-              <a:t>큐 </a:t>
+              <a:t>우선순위 큐 </a:t>
             </a:r>
           </a:p>
         </p:txBody>
@@ -10569,7 +10325,7 @@
           <a:graphicData uri="http://schemas.openxmlformats.org/presentationml/2006/ole">
             <mc:AlternateContent xmlns:mc="http://schemas.openxmlformats.org/markup-compatibility/2006">
               <mc:Choice xmlns:v="urn:schemas-microsoft-com:vml" Requires="v">
-                <p:oleObj spid="_x0000_s15362" r:id="rId3" imgW="6766560" imgH="1002010" progId="Visio.Drawing.11">
+                <p:oleObj spid="_x0000_s15368" r:id="rId3" imgW="6766560" imgH="1002010" progId="Visio.Drawing.11">
                   <p:embed/>
                 </p:oleObj>
               </mc:Choice>
@@ -10677,7 +10433,7 @@
           <a:graphicData uri="http://schemas.openxmlformats.org/presentationml/2006/ole">
             <mc:AlternateContent xmlns:mc="http://schemas.openxmlformats.org/markup-compatibility/2006">
               <mc:Choice xmlns:v="urn:schemas-microsoft-com:vml" Requires="v">
-                <p:oleObj spid="_x0000_s15363" r:id="rId5" imgW="6334557" imgH="1607535" progId="Visio.Drawing.11">
+                <p:oleObj spid="_x0000_s15369" r:id="rId5" imgW="6334557" imgH="1607535" progId="Visio.Drawing.11">
                   <p:embed/>
                 </p:oleObj>
               </mc:Choice>
@@ -10785,7 +10541,7 @@
           <a:graphicData uri="http://schemas.openxmlformats.org/presentationml/2006/ole">
             <mc:AlternateContent xmlns:mc="http://schemas.openxmlformats.org/markup-compatibility/2006">
               <mc:Choice xmlns:v="urn:schemas-microsoft-com:vml" Requires="v">
-                <p:oleObj spid="_x0000_s15364" r:id="rId7" imgW="6982358" imgH="3132350" progId="Visio.Drawing.11">
+                <p:oleObj spid="_x0000_s15370" r:id="rId7" imgW="6982358" imgH="3132350" progId="Visio.Drawing.11">
                   <p:embed/>
                 </p:oleObj>
               </mc:Choice>
@@ -11044,6 +10800,14 @@
               <a:t>힙</a:t>
             </a:r>
             <a:r>
+              <a:rPr lang="en-US" altLang="ko-KR" b="0" dirty="0" smtClean="0"/>
+              <a:t>(</a:t>
+            </a:r>
+            <a:r>
+              <a:rPr lang="en-US" altLang="ko-KR" b="0" dirty="0" smtClean="0"/>
+              <a:t>heap)</a:t>
+            </a:r>
+            <a:r>
               <a:rPr lang="ko-KR" altLang="en-US" b="0" dirty="0" smtClean="0"/>
               <a:t> </a:t>
             </a:r>
@@ -11105,7 +10869,7 @@
           <a:graphicData uri="http://schemas.openxmlformats.org/presentationml/2006/ole">
             <mc:AlternateContent xmlns:mc="http://schemas.openxmlformats.org/markup-compatibility/2006">
               <mc:Choice xmlns:v="urn:schemas-microsoft-com:vml" Requires="v">
-                <p:oleObj spid="_x0000_s16386" r:id="rId3" imgW="4940605" imgH="2698784" progId="Visio.Drawing.11">
+                <p:oleObj spid="_x0000_s16388" r:id="rId3" imgW="4940605" imgH="2698784" progId="Visio.Drawing.11">
                   <p:embed/>
                 </p:oleObj>
               </mc:Choice>
@@ -11435,6 +11199,18 @@
               <a:t>힙</a:t>
             </a:r>
             <a:r>
+              <a:rPr lang="en-US" altLang="ko-KR" b="0" dirty="0" smtClean="0"/>
+              <a:t>: </a:t>
+            </a:r>
+            <a:r>
+              <a:rPr lang="ko-KR" altLang="en-US" b="0" dirty="0" smtClean="0"/>
+              <a:t>삽입</a:t>
+            </a:r>
+            <a:r>
+              <a:rPr lang="en-US" altLang="ko-KR" b="0" dirty="0" smtClean="0"/>
+              <a:t>(insert)</a:t>
+            </a:r>
+            <a:r>
               <a:rPr lang="ko-KR" altLang="en-US" b="0" dirty="0" smtClean="0"/>
               <a:t> </a:t>
             </a:r>
@@ -11553,17 +11329,22 @@
           <a:lstStyle/>
           <a:p>
             <a:r>
-              <a:rPr lang="en-US" altLang="ko-KR" b="0" dirty="0" smtClean="0"/>
-              <a:t>02. </a:t>
-            </a:r>
-            <a:r>
               <a:rPr lang="ko-KR" altLang="en-US" b="0" dirty="0" err="1" smtClean="0"/>
               <a:t>힙</a:t>
             </a:r>
             <a:r>
+              <a:rPr lang="en-US" altLang="ko-KR" b="0" dirty="0" smtClean="0"/>
+              <a:t>: </a:t>
+            </a:r>
+            <a:r>
               <a:rPr lang="ko-KR" altLang="en-US" b="0" dirty="0" smtClean="0"/>
-              <a:t> </a:t>
-            </a:r>
+              <a:t>삽입</a:t>
+            </a:r>
+            <a:r>
+              <a:rPr lang="en-US" altLang="ko-KR" b="0" dirty="0" smtClean="0"/>
+              <a:t>(insert)</a:t>
+            </a:r>
+            <a:endParaRPr lang="ko-KR" altLang="en-US" b="0" dirty="0" smtClean="0"/>
           </a:p>
         </p:txBody>
       </p:sp>
@@ -11649,17 +11430,23 @@
           <p:cNvGraphicFramePr>
             <a:graphicFrameLocks noChangeAspect="1"/>
           </p:cNvGraphicFramePr>
-          <p:nvPr/>
+          <p:nvPr>
+            <p:extLst>
+              <p:ext uri="{D42A27DB-BD31-4B8C-83A1-F6EECF244321}">
+                <p14:modId xmlns:p14="http://schemas.microsoft.com/office/powerpoint/2010/main" val="4253199461"/>
+              </p:ext>
+            </p:extLst>
+          </p:nvPr>
         </p:nvGraphicFramePr>
         <p:xfrm>
-          <a:off x="1009648" y="2071693"/>
+          <a:off x="922930" y="2200279"/>
           <a:ext cx="3267075" cy="1800225"/>
         </p:xfrm>
         <a:graphic>
           <a:graphicData uri="http://schemas.openxmlformats.org/presentationml/2006/ole">
             <mc:AlternateContent xmlns:mc="http://schemas.openxmlformats.org/markup-compatibility/2006">
               <mc:Choice xmlns:v="urn:schemas-microsoft-com:vml" Requires="v">
-                <p:oleObj spid="_x0000_s17410" r:id="rId3" imgW="4940605" imgH="2698784" progId="Visio.Drawing.11">
+                <p:oleObj spid="_x0000_s17418" r:id="rId3" imgW="4940605" imgH="2698784" progId="Visio.Drawing.11">
                   <p:embed/>
                 </p:oleObj>
               </mc:Choice>
@@ -11689,7 +11476,7 @@
                     </p:blipFill>
                     <p:spPr bwMode="auto">
                       <a:xfrm>
-                        <a:off x="1009648" y="2071693"/>
+                        <a:off x="922930" y="2200279"/>
                         <a:ext cx="3267075" cy="1800225"/>
                       </a:xfrm>
                       <a:prstGeom prst="rect">
@@ -11757,17 +11544,23 @@
           <p:cNvGraphicFramePr>
             <a:graphicFrameLocks noChangeAspect="1"/>
           </p:cNvGraphicFramePr>
-          <p:nvPr/>
+          <p:nvPr>
+            <p:extLst>
+              <p:ext uri="{D42A27DB-BD31-4B8C-83A1-F6EECF244321}">
+                <p14:modId xmlns:p14="http://schemas.microsoft.com/office/powerpoint/2010/main" val="2634243904"/>
+              </p:ext>
+            </p:extLst>
+          </p:nvPr>
         </p:nvGraphicFramePr>
         <p:xfrm>
-          <a:off x="1009648" y="4500585"/>
+          <a:off x="5278154" y="2076453"/>
           <a:ext cx="3286125" cy="2047875"/>
         </p:xfrm>
         <a:graphic>
           <a:graphicData uri="http://schemas.openxmlformats.org/presentationml/2006/ole">
             <mc:AlternateContent xmlns:mc="http://schemas.openxmlformats.org/markup-compatibility/2006">
               <mc:Choice xmlns:v="urn:schemas-microsoft-com:vml" Requires="v">
-                <p:oleObj spid="_x0000_s17411" r:id="rId5" imgW="4940605" imgH="3094453" progId="Visio.Drawing.11">
+                <p:oleObj spid="_x0000_s17419" r:id="rId5" imgW="4940605" imgH="3094453" progId="Visio.Drawing.11">
                   <p:embed/>
                 </p:oleObj>
               </mc:Choice>
@@ -11797,7 +11590,7 @@
                     </p:blipFill>
                     <p:spPr bwMode="auto">
                       <a:xfrm>
-                        <a:off x="1009648" y="4500585"/>
+                        <a:off x="5278154" y="2076453"/>
                         <a:ext cx="3286125" cy="2047875"/>
                       </a:xfrm>
                       <a:prstGeom prst="rect">
@@ -11865,17 +11658,23 @@
           <p:cNvGraphicFramePr>
             <a:graphicFrameLocks noChangeAspect="1"/>
           </p:cNvGraphicFramePr>
-          <p:nvPr/>
+          <p:nvPr>
+            <p:extLst>
+              <p:ext uri="{D42A27DB-BD31-4B8C-83A1-F6EECF244321}">
+                <p14:modId xmlns:p14="http://schemas.microsoft.com/office/powerpoint/2010/main" val="933723131"/>
+              </p:ext>
+            </p:extLst>
+          </p:nvPr>
         </p:nvGraphicFramePr>
         <p:xfrm>
-          <a:off x="5081614" y="2071693"/>
+          <a:off x="5189768" y="4535348"/>
           <a:ext cx="3276600" cy="1800225"/>
         </p:xfrm>
         <a:graphic>
           <a:graphicData uri="http://schemas.openxmlformats.org/presentationml/2006/ole">
             <mc:AlternateContent xmlns:mc="http://schemas.openxmlformats.org/markup-compatibility/2006">
               <mc:Choice xmlns:v="urn:schemas-microsoft-com:vml" Requires="v">
-                <p:oleObj spid="_x0000_s17412" r:id="rId7" imgW="4940605" imgH="2698784" progId="Visio.Drawing.11">
+                <p:oleObj spid="_x0000_s17420" r:id="rId7" imgW="4940605" imgH="2698784" progId="Visio.Drawing.11">
                   <p:embed/>
                 </p:oleObj>
               </mc:Choice>
@@ -11905,7 +11704,7 @@
                     </p:blipFill>
                     <p:spPr bwMode="auto">
                       <a:xfrm>
-                        <a:off x="5081614" y="2071693"/>
+                        <a:off x="5189768" y="4535348"/>
                         <a:ext cx="3276600" cy="1800225"/>
                       </a:xfrm>
                       <a:prstGeom prst="rect">
@@ -11973,17 +11772,23 @@
           <p:cNvGraphicFramePr>
             <a:graphicFrameLocks noChangeAspect="1"/>
           </p:cNvGraphicFramePr>
-          <p:nvPr/>
+          <p:nvPr>
+            <p:extLst>
+              <p:ext uri="{D42A27DB-BD31-4B8C-83A1-F6EECF244321}">
+                <p14:modId xmlns:p14="http://schemas.microsoft.com/office/powerpoint/2010/main" val="2877605565"/>
+              </p:ext>
+            </p:extLst>
+          </p:nvPr>
         </p:nvGraphicFramePr>
         <p:xfrm>
-          <a:off x="5081614" y="4500585"/>
+          <a:off x="926769" y="4213305"/>
           <a:ext cx="3267075" cy="2143125"/>
         </p:xfrm>
         <a:graphic>
           <a:graphicData uri="http://schemas.openxmlformats.org/presentationml/2006/ole">
             <mc:AlternateContent xmlns:mc="http://schemas.openxmlformats.org/markup-compatibility/2006">
               <mc:Choice xmlns:v="urn:schemas-microsoft-com:vml" Requires="v">
-                <p:oleObj spid="_x0000_s17413" r:id="rId9" imgW="4940605" imgH="3237481" progId="Visio.Drawing.11">
+                <p:oleObj spid="_x0000_s17421" r:id="rId9" imgW="4940605" imgH="3237481" progId="Visio.Drawing.11">
                   <p:embed/>
                 </p:oleObj>
               </mc:Choice>
@@ -12013,7 +11818,7 @@
                     </p:blipFill>
                     <p:spPr bwMode="auto">
                       <a:xfrm>
-                        <a:off x="5081614" y="4500585"/>
+                        <a:off x="926769" y="4213305"/>
                         <a:ext cx="3267075" cy="2143125"/>
                       </a:xfrm>
                       <a:prstGeom prst="rect">
@@ -12044,9 +11849,9 @@
           <p:nvPr/>
         </p:nvSpPr>
         <p:spPr>
-          <a:xfrm>
-            <a:off x="2571736" y="4000504"/>
-            <a:ext cx="357190" cy="357190"/>
+          <a:xfrm rot="16200000">
+            <a:off x="4720099" y="2428855"/>
+            <a:ext cx="357190" cy="757891"/>
           </a:xfrm>
           <a:prstGeom prst="downArrow">
             <a:avLst/>
@@ -12085,7 +11890,7 @@
         </p:nvSpPr>
         <p:spPr>
           <a:xfrm>
-            <a:off x="6643702" y="4000504"/>
+            <a:off x="7380312" y="4306890"/>
             <a:ext cx="357190" cy="357190"/>
           </a:xfrm>
           <a:prstGeom prst="downArrow">
@@ -12124,8 +11929,8 @@
           <p:nvPr/>
         </p:nvSpPr>
         <p:spPr>
-          <a:xfrm rot="14102453">
-            <a:off x="4603349" y="3727611"/>
+          <a:xfrm rot="5400000">
+            <a:off x="4619078" y="4827333"/>
             <a:ext cx="357190" cy="959933"/>
           </a:xfrm>
           <a:prstGeom prst="downArrow">
@@ -12639,6 +12444,22 @@
               <a:rPr lang="ko-KR" altLang="en-US" b="0" dirty="0" smtClean="0"/>
               <a:t> </a:t>
             </a:r>
+            <a:r>
+              <a:rPr lang="en-US" altLang="ko-KR" b="0" dirty="0" smtClean="0"/>
+              <a:t>– </a:t>
+            </a:r>
+            <a:r>
+              <a:rPr lang="ko-KR" altLang="en-US" b="0" dirty="0" smtClean="0"/>
+              <a:t>삭제</a:t>
+            </a:r>
+            <a:r>
+              <a:rPr lang="en-US" altLang="ko-KR" b="0" dirty="0" smtClean="0"/>
+              <a:t>(delete)</a:t>
+            </a:r>
+            <a:r>
+              <a:rPr lang="ko-KR" altLang="en-US" b="0" dirty="0" smtClean="0"/>
+              <a:t> </a:t>
+            </a:r>
             <a:endParaRPr lang="ko-KR" altLang="en-US" b="0" dirty="0" smtClean="0"/>
           </a:p>
         </p:txBody>
@@ -12873,7 +12694,12 @@
             <p:ph idx="1"/>
           </p:nvPr>
         </p:nvSpPr>
-        <p:spPr/>
+        <p:spPr>
+          <a:xfrm>
+            <a:off x="457579" y="1628800"/>
+            <a:ext cx="8229600" cy="4525963"/>
+          </a:xfrm>
+        </p:spPr>
         <p:txBody>
           <a:bodyPr>
             <a:normAutofit/>
@@ -12908,6 +12734,22 @@
             <a:r>
               <a:rPr lang="ko-KR" altLang="en-US" b="0" dirty="0" err="1" smtClean="0"/>
               <a:t>힙</a:t>
+            </a:r>
+            <a:r>
+              <a:rPr lang="ko-KR" altLang="en-US" b="0" dirty="0" smtClean="0"/>
+              <a:t> </a:t>
+            </a:r>
+            <a:r>
+              <a:rPr lang="en-US" altLang="ko-KR" b="0" dirty="0" smtClean="0"/>
+              <a:t>– </a:t>
+            </a:r>
+            <a:r>
+              <a:rPr lang="ko-KR" altLang="en-US" b="0" dirty="0" smtClean="0"/>
+              <a:t>삭제</a:t>
+            </a:r>
+            <a:r>
+              <a:rPr lang="en-US" altLang="ko-KR" b="0" dirty="0" smtClean="0"/>
+              <a:t>(delete)</a:t>
             </a:r>
             <a:r>
               <a:rPr lang="ko-KR" altLang="en-US" b="0" dirty="0" smtClean="0"/>
@@ -13189,17 +13031,23 @@
           <p:cNvGraphicFramePr>
             <a:graphicFrameLocks noChangeAspect="1"/>
           </p:cNvGraphicFramePr>
-          <p:nvPr/>
+          <p:nvPr>
+            <p:extLst>
+              <p:ext uri="{D42A27DB-BD31-4B8C-83A1-F6EECF244321}">
+                <p14:modId xmlns:p14="http://schemas.microsoft.com/office/powerpoint/2010/main" val="1522823481"/>
+              </p:ext>
+            </p:extLst>
+          </p:nvPr>
         </p:nvGraphicFramePr>
         <p:xfrm>
-          <a:off x="714348" y="2000240"/>
+          <a:off x="714348" y="2182515"/>
           <a:ext cx="3086100" cy="2085975"/>
         </p:xfrm>
         <a:graphic>
           <a:graphicData uri="http://schemas.openxmlformats.org/presentationml/2006/ole">
             <mc:AlternateContent xmlns:mc="http://schemas.openxmlformats.org/markup-compatibility/2006">
               <mc:Choice xmlns:v="urn:schemas-microsoft-com:vml" Requires="v">
-                <p:oleObj spid="_x0000_s18434" r:id="rId3" imgW="4940605" imgH="3360542" progId="Visio.Drawing.11">
+                <p:oleObj spid="_x0000_s18442" r:id="rId3" imgW="4940605" imgH="3360542" progId="Visio.Drawing.11">
                   <p:embed/>
                 </p:oleObj>
               </mc:Choice>
@@ -13229,7 +13077,7 @@
                     </p:blipFill>
                     <p:spPr bwMode="auto">
                       <a:xfrm>
-                        <a:off x="714348" y="2000240"/>
+                        <a:off x="714348" y="2182515"/>
                         <a:ext cx="3086100" cy="2085975"/>
                       </a:xfrm>
                       <a:prstGeom prst="rect">
@@ -13297,17 +13145,23 @@
           <p:cNvGraphicFramePr>
             <a:graphicFrameLocks noChangeAspect="1"/>
           </p:cNvGraphicFramePr>
-          <p:nvPr/>
+          <p:nvPr>
+            <p:extLst>
+              <p:ext uri="{D42A27DB-BD31-4B8C-83A1-F6EECF244321}">
+                <p14:modId xmlns:p14="http://schemas.microsoft.com/office/powerpoint/2010/main" val="981737410"/>
+              </p:ext>
+            </p:extLst>
+          </p:nvPr>
         </p:nvGraphicFramePr>
         <p:xfrm>
-          <a:off x="714348" y="4624408"/>
+          <a:off x="4974444" y="2354268"/>
           <a:ext cx="2838450" cy="1733550"/>
         </p:xfrm>
         <a:graphic>
           <a:graphicData uri="http://schemas.openxmlformats.org/presentationml/2006/ole">
             <mc:AlternateContent xmlns:mc="http://schemas.openxmlformats.org/markup-compatibility/2006">
               <mc:Choice xmlns:v="urn:schemas-microsoft-com:vml" Requires="v">
-                <p:oleObj spid="_x0000_s18435" r:id="rId5" imgW="4940605" imgH="3010919" progId="Visio.Drawing.11">
+                <p:oleObj spid="_x0000_s18443" r:id="rId5" imgW="4940605" imgH="3010919" progId="Visio.Drawing.11">
                   <p:embed/>
                 </p:oleObj>
               </mc:Choice>
@@ -13337,7 +13191,7 @@
                     </p:blipFill>
                     <p:spPr bwMode="auto">
                       <a:xfrm>
-                        <a:off x="714348" y="4624408"/>
+                        <a:off x="4974444" y="2354268"/>
                         <a:ext cx="2838450" cy="1733550"/>
                       </a:xfrm>
                       <a:prstGeom prst="rect">
@@ -13405,17 +13259,23 @@
           <p:cNvGraphicFramePr>
             <a:graphicFrameLocks noChangeAspect="1"/>
           </p:cNvGraphicFramePr>
-          <p:nvPr/>
+          <p:nvPr>
+            <p:extLst>
+              <p:ext uri="{D42A27DB-BD31-4B8C-83A1-F6EECF244321}">
+                <p14:modId xmlns:p14="http://schemas.microsoft.com/office/powerpoint/2010/main" val="3106002113"/>
+              </p:ext>
+            </p:extLst>
+          </p:nvPr>
         </p:nvGraphicFramePr>
         <p:xfrm>
-          <a:off x="4857752" y="2000240"/>
+          <a:off x="4863236" y="4821083"/>
           <a:ext cx="3314700" cy="1809750"/>
         </p:xfrm>
         <a:graphic>
           <a:graphicData uri="http://schemas.openxmlformats.org/presentationml/2006/ole">
             <mc:AlternateContent xmlns:mc="http://schemas.openxmlformats.org/markup-compatibility/2006">
               <mc:Choice xmlns:v="urn:schemas-microsoft-com:vml" Requires="v">
-                <p:oleObj spid="_x0000_s18436" r:id="rId7" imgW="4940605" imgH="2698784" progId="Visio.Drawing.11">
+                <p:oleObj spid="_x0000_s18444" r:id="rId7" imgW="4940605" imgH="2698784" progId="Visio.Drawing.11">
                   <p:embed/>
                 </p:oleObj>
               </mc:Choice>
@@ -13445,7 +13305,7 @@
                     </p:blipFill>
                     <p:spPr bwMode="auto">
                       <a:xfrm>
-                        <a:off x="4857752" y="2000240"/>
+                        <a:off x="4863236" y="4821083"/>
                         <a:ext cx="3314700" cy="1809750"/>
                       </a:xfrm>
                       <a:prstGeom prst="rect">
@@ -13513,17 +13373,23 @@
           <p:cNvGraphicFramePr>
             <a:graphicFrameLocks noChangeAspect="1"/>
           </p:cNvGraphicFramePr>
-          <p:nvPr/>
+          <p:nvPr>
+            <p:extLst>
+              <p:ext uri="{D42A27DB-BD31-4B8C-83A1-F6EECF244321}">
+                <p14:modId xmlns:p14="http://schemas.microsoft.com/office/powerpoint/2010/main" val="2702895157"/>
+              </p:ext>
+            </p:extLst>
+          </p:nvPr>
         </p:nvGraphicFramePr>
         <p:xfrm>
-          <a:off x="4857752" y="4624408"/>
+          <a:off x="796927" y="4841780"/>
           <a:ext cx="2914650" cy="1638300"/>
         </p:xfrm>
         <a:graphic>
           <a:graphicData uri="http://schemas.openxmlformats.org/presentationml/2006/ole">
             <mc:AlternateContent xmlns:mc="http://schemas.openxmlformats.org/markup-compatibility/2006">
               <mc:Choice xmlns:v="urn:schemas-microsoft-com:vml" Requires="v">
-                <p:oleObj spid="_x0000_s18437" r:id="rId9" imgW="4940605" imgH="2770502" progId="Visio.Drawing.11">
+                <p:oleObj spid="_x0000_s18445" r:id="rId9" imgW="4940605" imgH="2770502" progId="Visio.Drawing.11">
                   <p:embed/>
                 </p:oleObj>
               </mc:Choice>
@@ -13553,7 +13419,7 @@
                     </p:blipFill>
                     <p:spPr bwMode="auto">
                       <a:xfrm>
-                        <a:off x="4857752" y="4624408"/>
+                        <a:off x="796927" y="4841780"/>
                         <a:ext cx="2914650" cy="1638300"/>
                       </a:xfrm>
                       <a:prstGeom prst="rect">
@@ -13584,9 +13450,9 @@
           <p:nvPr/>
         </p:nvSpPr>
         <p:spPr>
-          <a:xfrm>
-            <a:off x="2071670" y="4179099"/>
-            <a:ext cx="642942" cy="428628"/>
+          <a:xfrm rot="16200000">
+            <a:off x="4233415" y="2615456"/>
+            <a:ext cx="441318" cy="772260"/>
           </a:xfrm>
           <a:prstGeom prst="downArrow">
             <a:avLst/>
@@ -13625,8 +13491,8 @@
         </p:nvSpPr>
         <p:spPr>
           <a:xfrm>
-            <a:off x="6072198" y="4179099"/>
-            <a:ext cx="642942" cy="428628"/>
+            <a:off x="6518761" y="4111098"/>
+            <a:ext cx="417340" cy="604404"/>
           </a:xfrm>
           <a:prstGeom prst="downArrow">
             <a:avLst/>
@@ -13664,9 +13530,9 @@
           <p:nvPr/>
         </p:nvSpPr>
         <p:spPr>
-          <a:xfrm rot="13791438">
-            <a:off x="3900880" y="3892332"/>
-            <a:ext cx="642942" cy="785818"/>
+          <a:xfrm rot="5400000">
+            <a:off x="4123106" y="5104151"/>
+            <a:ext cx="462531" cy="785818"/>
           </a:xfrm>
           <a:prstGeom prst="downArrow">
             <a:avLst/>
@@ -13754,7 +13620,27 @@
             </a:r>
             <a:r>
               <a:rPr lang="ko-KR" altLang="en-US" sz="2000" dirty="0" smtClean="0"/>
-              <a:t> 구현</a:t>
+              <a:t> </a:t>
+            </a:r>
+            <a:r>
+              <a:rPr lang="ko-KR" altLang="en-US" sz="2000" dirty="0" smtClean="0"/>
+              <a:t>구현 </a:t>
+            </a:r>
+            <a:r>
+              <a:rPr lang="en-US" altLang="ko-KR" sz="2000" dirty="0" smtClean="0"/>
+              <a:t>(</a:t>
+            </a:r>
+            <a:r>
+              <a:rPr lang="ko-KR" altLang="en-US" sz="2000" dirty="0" err="1" smtClean="0"/>
+              <a:t>힙은</a:t>
+            </a:r>
+            <a:r>
+              <a:rPr lang="ko-KR" altLang="en-US" sz="2000" dirty="0" smtClean="0"/>
+              <a:t> 완전 이진 트리</a:t>
+            </a:r>
+            <a:r>
+              <a:rPr lang="en-US" altLang="ko-KR" sz="2000" dirty="0" smtClean="0"/>
+              <a:t>)</a:t>
             </a:r>
             <a:endParaRPr lang="en-US" altLang="ko-KR" sz="2000" dirty="0" smtClean="0"/>
           </a:p>
@@ -13988,6 +13874,14 @@
             <a:r>
               <a:rPr lang="ko-KR" altLang="en-US" b="0" dirty="0" smtClean="0"/>
               <a:t> </a:t>
+            </a:r>
+            <a:r>
+              <a:rPr lang="en-US" altLang="ko-KR" b="0" dirty="0" smtClean="0"/>
+              <a:t>– </a:t>
+            </a:r>
+            <a:r>
+              <a:rPr lang="ko-KR" altLang="en-US" b="0" dirty="0" smtClean="0"/>
+              <a:t>배열을 이용한 구현 </a:t>
             </a:r>
             <a:endParaRPr lang="ko-KR" altLang="en-US" b="0" dirty="0" smtClean="0"/>
           </a:p>
@@ -14427,7 +14321,7 @@
           <a:graphicData uri="http://schemas.openxmlformats.org/presentationml/2006/ole">
             <mc:AlternateContent xmlns:mc="http://schemas.openxmlformats.org/markup-compatibility/2006">
               <mc:Choice xmlns:v="urn:schemas-microsoft-com:vml" Requires="v">
-                <p:oleObj spid="_x0000_s19458" r:id="rId3" imgW="6258050" imgH="4823576" progId="Visio.Drawing.11">
+                <p:oleObj spid="_x0000_s19460" r:id="rId3" imgW="6258050" imgH="4823576" progId="Visio.Drawing.11">
                   <p:embed/>
                 </p:oleObj>
               </mc:Choice>
@@ -14560,11 +14454,7 @@
           <a:p>
             <a:r>
               <a:rPr lang="ko-KR" altLang="en-US" b="0" dirty="0" smtClean="0"/>
-              <a:t>버블 </a:t>
-            </a:r>
-            <a:r>
-              <a:rPr lang="ko-KR" altLang="en-US" b="0" dirty="0" smtClean="0"/>
-              <a:t>정렬</a:t>
+              <a:t>버블 정렬</a:t>
             </a:r>
             <a:endParaRPr lang="ko-KR" altLang="en-US" dirty="0"/>
           </a:p>
@@ -14644,12 +14534,12 @@
           <a:lstStyle/>
           <a:p>
             <a:r>
-              <a:rPr lang="en-US" altLang="ko-KR" b="0" dirty="0" smtClean="0"/>
-              <a:t>01. </a:t>
-            </a:r>
-            <a:r>
               <a:rPr lang="ko-KR" altLang="en-US" b="0" dirty="0" smtClean="0"/>
-              <a:t>버블 정렬</a:t>
+              <a:t>버블 </a:t>
+            </a:r>
+            <a:r>
+              <a:rPr lang="ko-KR" altLang="en-US" b="0" dirty="0" smtClean="0"/>
+              <a:t>정렬</a:t>
             </a:r>
             <a:endParaRPr lang="ko-KR" altLang="en-US" dirty="0"/>
           </a:p>
@@ -14709,7 +14599,7 @@
           <a:graphicData uri="http://schemas.openxmlformats.org/presentationml/2006/ole">
             <mc:AlternateContent xmlns:mc="http://schemas.openxmlformats.org/markup-compatibility/2006">
               <mc:Choice xmlns:v="urn:schemas-microsoft-com:vml" Requires="v">
-                <p:oleObj spid="_x0000_s6163" r:id="rId3" imgW="2374595" imgH="286871" progId="">
+                <p:oleObj spid="_x0000_s6197" r:id="rId3" imgW="2374595" imgH="286871" progId="">
                   <p:embed/>
                 </p:oleObj>
               </mc:Choice>
@@ -14817,7 +14707,7 @@
           <a:graphicData uri="http://schemas.openxmlformats.org/presentationml/2006/ole">
             <mc:AlternateContent xmlns:mc="http://schemas.openxmlformats.org/markup-compatibility/2006">
               <mc:Choice xmlns:v="urn:schemas-microsoft-com:vml" Requires="v">
-                <p:oleObj spid="_x0000_s6164" r:id="rId5" imgW="2374595" imgH="575371" progId="">
+                <p:oleObj spid="_x0000_s6198" r:id="rId5" imgW="2374595" imgH="575371" progId="">
                   <p:embed/>
                 </p:oleObj>
               </mc:Choice>
@@ -14925,7 +14815,7 @@
           <a:graphicData uri="http://schemas.openxmlformats.org/presentationml/2006/ole">
             <mc:AlternateContent xmlns:mc="http://schemas.openxmlformats.org/markup-compatibility/2006">
               <mc:Choice xmlns:v="urn:schemas-microsoft-com:vml" Requires="v">
-                <p:oleObj spid="_x0000_s6165" r:id="rId7" imgW="2374595" imgH="286871" progId="">
+                <p:oleObj spid="_x0000_s6199" r:id="rId7" imgW="2374595" imgH="286871" progId="">
                   <p:embed/>
                 </p:oleObj>
               </mc:Choice>
@@ -15033,7 +14923,7 @@
           <a:graphicData uri="http://schemas.openxmlformats.org/presentationml/2006/ole">
             <mc:AlternateContent xmlns:mc="http://schemas.openxmlformats.org/markup-compatibility/2006">
               <mc:Choice xmlns:v="urn:schemas-microsoft-com:vml" Requires="v">
-                <p:oleObj spid="_x0000_s6166" r:id="rId9" imgW="2374595" imgH="575371" progId="">
+                <p:oleObj spid="_x0000_s6200" r:id="rId9" imgW="2374595" imgH="575371" progId="">
                   <p:embed/>
                 </p:oleObj>
               </mc:Choice>
@@ -15141,7 +15031,7 @@
           <a:graphicData uri="http://schemas.openxmlformats.org/presentationml/2006/ole">
             <mc:AlternateContent xmlns:mc="http://schemas.openxmlformats.org/markup-compatibility/2006">
               <mc:Choice xmlns:v="urn:schemas-microsoft-com:vml" Requires="v">
-                <p:oleObj spid="_x0000_s6167" r:id="rId11" imgW="2374595" imgH="575371" progId="">
+                <p:oleObj spid="_x0000_s6201" r:id="rId11" imgW="2374595" imgH="575371" progId="">
                   <p:embed/>
                 </p:oleObj>
               </mc:Choice>
@@ -15249,7 +15139,7 @@
           <a:graphicData uri="http://schemas.openxmlformats.org/presentationml/2006/ole">
             <mc:AlternateContent xmlns:mc="http://schemas.openxmlformats.org/markup-compatibility/2006">
               <mc:Choice xmlns:v="urn:schemas-microsoft-com:vml" Requires="v">
-                <p:oleObj spid="_x0000_s6168" r:id="rId13" imgW="2374595" imgH="286871" progId="">
+                <p:oleObj spid="_x0000_s6202" r:id="rId13" imgW="2374595" imgH="286871" progId="">
                   <p:embed/>
                 </p:oleObj>
               </mc:Choice>
@@ -15357,7 +15247,7 @@
           <a:graphicData uri="http://schemas.openxmlformats.org/presentationml/2006/ole">
             <mc:AlternateContent xmlns:mc="http://schemas.openxmlformats.org/markup-compatibility/2006">
               <mc:Choice xmlns:v="urn:schemas-microsoft-com:vml" Requires="v">
-                <p:oleObj spid="_x0000_s6169" r:id="rId15" imgW="2374595" imgH="575371" progId="">
+                <p:oleObj spid="_x0000_s6203" r:id="rId15" imgW="2374595" imgH="575371" progId="">
                   <p:embed/>
                 </p:oleObj>
               </mc:Choice>
@@ -15465,7 +15355,7 @@
           <a:graphicData uri="http://schemas.openxmlformats.org/presentationml/2006/ole">
             <mc:AlternateContent xmlns:mc="http://schemas.openxmlformats.org/markup-compatibility/2006">
               <mc:Choice xmlns:v="urn:schemas-microsoft-com:vml" Requires="v">
-                <p:oleObj spid="_x0000_s6170" r:id="rId17" imgW="2374595" imgH="286871" progId="">
+                <p:oleObj spid="_x0000_s6204" r:id="rId17" imgW="2374595" imgH="286871" progId="">
                   <p:embed/>
                 </p:oleObj>
               </mc:Choice>
@@ -15573,7 +15463,7 @@
           <a:graphicData uri="http://schemas.openxmlformats.org/presentationml/2006/ole">
             <mc:AlternateContent xmlns:mc="http://schemas.openxmlformats.org/markup-compatibility/2006">
               <mc:Choice xmlns:v="urn:schemas-microsoft-com:vml" Requires="v">
-                <p:oleObj spid="_x0000_s6171" r:id="rId19" imgW="2374595" imgH="575371" progId="">
+                <p:oleObj spid="_x0000_s6205" r:id="rId19" imgW="2374595" imgH="575371" progId="">
                   <p:embed/>
                 </p:oleObj>
               </mc:Choice>
@@ -15681,7 +15571,7 @@
           <a:graphicData uri="http://schemas.openxmlformats.org/presentationml/2006/ole">
             <mc:AlternateContent xmlns:mc="http://schemas.openxmlformats.org/markup-compatibility/2006">
               <mc:Choice xmlns:v="urn:schemas-microsoft-com:vml" Requires="v">
-                <p:oleObj spid="_x0000_s6172" r:id="rId21" imgW="2374595" imgH="286871" progId="">
+                <p:oleObj spid="_x0000_s6206" r:id="rId21" imgW="2374595" imgH="286871" progId="">
                   <p:embed/>
                 </p:oleObj>
               </mc:Choice>
@@ -15789,7 +15679,7 @@
           <a:graphicData uri="http://schemas.openxmlformats.org/presentationml/2006/ole">
             <mc:AlternateContent xmlns:mc="http://schemas.openxmlformats.org/markup-compatibility/2006">
               <mc:Choice xmlns:v="urn:schemas-microsoft-com:vml" Requires="v">
-                <p:oleObj spid="_x0000_s6173" r:id="rId23" imgW="3742538" imgH="1096547" progId="">
+                <p:oleObj spid="_x0000_s6207" r:id="rId23" imgW="3742538" imgH="1096547" progId="">
                   <p:embed/>
                 </p:oleObj>
               </mc:Choice>
@@ -15897,7 +15787,7 @@
           <a:graphicData uri="http://schemas.openxmlformats.org/presentationml/2006/ole">
             <mc:AlternateContent xmlns:mc="http://schemas.openxmlformats.org/markup-compatibility/2006">
               <mc:Choice xmlns:v="urn:schemas-microsoft-com:vml" Requires="v">
-                <p:oleObj spid="_x0000_s6174" r:id="rId25" imgW="2374595" imgH="575371" progId="">
+                <p:oleObj spid="_x0000_s6208" r:id="rId25" imgW="2374595" imgH="575371" progId="">
                   <p:embed/>
                 </p:oleObj>
               </mc:Choice>
@@ -16005,7 +15895,7 @@
           <a:graphicData uri="http://schemas.openxmlformats.org/presentationml/2006/ole">
             <mc:AlternateContent xmlns:mc="http://schemas.openxmlformats.org/markup-compatibility/2006">
               <mc:Choice xmlns:v="urn:schemas-microsoft-com:vml" Requires="v">
-                <p:oleObj spid="_x0000_s6175" r:id="rId27" imgW="2374595" imgH="286871" progId="">
+                <p:oleObj spid="_x0000_s6209" r:id="rId27" imgW="2374595" imgH="286871" progId="">
                   <p:embed/>
                 </p:oleObj>
               </mc:Choice>
@@ -16113,7 +16003,7 @@
           <a:graphicData uri="http://schemas.openxmlformats.org/presentationml/2006/ole">
             <mc:AlternateContent xmlns:mc="http://schemas.openxmlformats.org/markup-compatibility/2006">
               <mc:Choice xmlns:v="urn:schemas-microsoft-com:vml" Requires="v">
-                <p:oleObj spid="_x0000_s6176" r:id="rId29" imgW="2374595" imgH="575371" progId="">
+                <p:oleObj spid="_x0000_s6210" r:id="rId29" imgW="2374595" imgH="575371" progId="">
                   <p:embed/>
                 </p:oleObj>
               </mc:Choice>
@@ -16221,7 +16111,7 @@
           <a:graphicData uri="http://schemas.openxmlformats.org/presentationml/2006/ole">
             <mc:AlternateContent xmlns:mc="http://schemas.openxmlformats.org/markup-compatibility/2006">
               <mc:Choice xmlns:v="urn:schemas-microsoft-com:vml" Requires="v">
-                <p:oleObj spid="_x0000_s6177" r:id="rId31" imgW="2374595" imgH="286871" progId="">
+                <p:oleObj spid="_x0000_s6211" r:id="rId31" imgW="2374595" imgH="286871" progId="">
                   <p:embed/>
                 </p:oleObj>
               </mc:Choice>
@@ -16329,7 +16219,7 @@
           <a:graphicData uri="http://schemas.openxmlformats.org/presentationml/2006/ole">
             <mc:AlternateContent xmlns:mc="http://schemas.openxmlformats.org/markup-compatibility/2006">
               <mc:Choice xmlns:v="urn:schemas-microsoft-com:vml" Requires="v">
-                <p:oleObj spid="_x0000_s6178" r:id="rId33" imgW="2374595" imgH="575371" progId="">
+                <p:oleObj spid="_x0000_s6212" r:id="rId33" imgW="2374595" imgH="575371" progId="">
                   <p:embed/>
                 </p:oleObj>
               </mc:Choice>
@@ -16437,7 +16327,7 @@
           <a:graphicData uri="http://schemas.openxmlformats.org/presentationml/2006/ole">
             <mc:AlternateContent xmlns:mc="http://schemas.openxmlformats.org/markup-compatibility/2006">
               <mc:Choice xmlns:v="urn:schemas-microsoft-com:vml" Requires="v">
-                <p:oleObj spid="_x0000_s6179" r:id="rId35" imgW="2374595" imgH="286871" progId="">
+                <p:oleObj spid="_x0000_s6213" r:id="rId35" imgW="2374595" imgH="286871" progId="">
                   <p:embed/>
                 </p:oleObj>
               </mc:Choice>
@@ -16562,12 +16452,12 @@
           <a:lstStyle/>
           <a:p>
             <a:r>
-              <a:rPr lang="en-US" altLang="ko-KR" b="0" dirty="0" smtClean="0"/>
-              <a:t>01. </a:t>
-            </a:r>
-            <a:r>
               <a:rPr lang="ko-KR" altLang="en-US" b="0" dirty="0" smtClean="0"/>
-              <a:t>버블 정렬</a:t>
+              <a:t>버블 </a:t>
+            </a:r>
+            <a:r>
+              <a:rPr lang="ko-KR" altLang="en-US" b="0" dirty="0" smtClean="0"/>
+              <a:t>정렬</a:t>
             </a:r>
             <a:endParaRPr lang="ko-KR" altLang="en-US" dirty="0"/>
           </a:p>
@@ -17746,11 +17636,7 @@
           <a:p>
             <a:r>
               <a:rPr lang="ko-KR" altLang="en-US" b="0" dirty="0" smtClean="0"/>
-              <a:t>삽입 </a:t>
-            </a:r>
-            <a:r>
-              <a:rPr lang="ko-KR" altLang="en-US" b="0" dirty="0" smtClean="0"/>
-              <a:t>정렬</a:t>
+              <a:t>삽입 정렬</a:t>
             </a:r>
             <a:endParaRPr lang="ko-KR" altLang="en-US" dirty="0"/>
           </a:p>
@@ -17810,7 +17696,7 @@
           <a:graphicData uri="http://schemas.openxmlformats.org/presentationml/2006/ole">
             <mc:AlternateContent xmlns:mc="http://schemas.openxmlformats.org/markup-compatibility/2006">
               <mc:Choice xmlns:v="urn:schemas-microsoft-com:vml" Requires="v">
-                <p:oleObj spid="_x0000_s7178" r:id="rId3" imgW="2374595" imgH="286871" progId="">
+                <p:oleObj spid="_x0000_s7194" r:id="rId3" imgW="2374595" imgH="286871" progId="">
                   <p:embed/>
                 </p:oleObj>
               </mc:Choice>
@@ -17918,7 +17804,7 @@
           <a:graphicData uri="http://schemas.openxmlformats.org/presentationml/2006/ole">
             <mc:AlternateContent xmlns:mc="http://schemas.openxmlformats.org/markup-compatibility/2006">
               <mc:Choice xmlns:v="urn:schemas-microsoft-com:vml" Requires="v">
-                <p:oleObj spid="_x0000_s7179" r:id="rId5" imgW="2374463" imgH="646747" progId="">
+                <p:oleObj spid="_x0000_s7195" r:id="rId5" imgW="2374463" imgH="646747" progId="">
                   <p:embed/>
                 </p:oleObj>
               </mc:Choice>
@@ -18026,7 +17912,7 @@
           <a:graphicData uri="http://schemas.openxmlformats.org/presentationml/2006/ole">
             <mc:AlternateContent xmlns:mc="http://schemas.openxmlformats.org/markup-compatibility/2006">
               <mc:Choice xmlns:v="urn:schemas-microsoft-com:vml" Requires="v">
-                <p:oleObj spid="_x0000_s7180" r:id="rId7" imgW="2374463" imgH="646747" progId="">
+                <p:oleObj spid="_x0000_s7196" r:id="rId7" imgW="2374463" imgH="646747" progId="">
                   <p:embed/>
                 </p:oleObj>
               </mc:Choice>
@@ -18134,7 +18020,7 @@
           <a:graphicData uri="http://schemas.openxmlformats.org/presentationml/2006/ole">
             <mc:AlternateContent xmlns:mc="http://schemas.openxmlformats.org/markup-compatibility/2006">
               <mc:Choice xmlns:v="urn:schemas-microsoft-com:vml" Requires="v">
-                <p:oleObj spid="_x0000_s7181" r:id="rId9" imgW="2374463" imgH="502563" progId="">
+                <p:oleObj spid="_x0000_s7197" r:id="rId9" imgW="2374463" imgH="502563" progId="">
                   <p:embed/>
                 </p:oleObj>
               </mc:Choice>
@@ -18242,7 +18128,7 @@
           <a:graphicData uri="http://schemas.openxmlformats.org/presentationml/2006/ole">
             <mc:AlternateContent xmlns:mc="http://schemas.openxmlformats.org/markup-compatibility/2006">
               <mc:Choice xmlns:v="urn:schemas-microsoft-com:vml" Requires="v">
-                <p:oleObj spid="_x0000_s7182" r:id="rId11" imgW="2374463" imgH="286702" progId="">
+                <p:oleObj spid="_x0000_s7198" r:id="rId11" imgW="2374463" imgH="286702" progId="">
                   <p:embed/>
                 </p:oleObj>
               </mc:Choice>
@@ -18350,7 +18236,7 @@
           <a:graphicData uri="http://schemas.openxmlformats.org/presentationml/2006/ole">
             <mc:AlternateContent xmlns:mc="http://schemas.openxmlformats.org/markup-compatibility/2006">
               <mc:Choice xmlns:v="urn:schemas-microsoft-com:vml" Requires="v">
-                <p:oleObj spid="_x0000_s7183" r:id="rId13" imgW="2368629" imgH="646747" progId="">
+                <p:oleObj spid="_x0000_s7199" r:id="rId13" imgW="2368629" imgH="646747" progId="">
                   <p:embed/>
                 </p:oleObj>
               </mc:Choice>
@@ -18458,7 +18344,7 @@
           <a:graphicData uri="http://schemas.openxmlformats.org/presentationml/2006/ole">
             <mc:AlternateContent xmlns:mc="http://schemas.openxmlformats.org/markup-compatibility/2006">
               <mc:Choice xmlns:v="urn:schemas-microsoft-com:vml" Requires="v">
-                <p:oleObj spid="_x0000_s7184" r:id="rId15" imgW="2368629" imgH="646747" progId="">
+                <p:oleObj spid="_x0000_s7200" r:id="rId15" imgW="2368629" imgH="646747" progId="">
                   <p:embed/>
                 </p:oleObj>
               </mc:Choice>
@@ -18566,7 +18452,7 @@
           <a:graphicData uri="http://schemas.openxmlformats.org/presentationml/2006/ole">
             <mc:AlternateContent xmlns:mc="http://schemas.openxmlformats.org/markup-compatibility/2006">
               <mc:Choice xmlns:v="urn:schemas-microsoft-com:vml" Requires="v">
-                <p:oleObj spid="_x0000_s7185" r:id="rId17" imgW="2368629" imgH="502563" progId="">
+                <p:oleObj spid="_x0000_s7201" r:id="rId17" imgW="2368629" imgH="502563" progId="">
                   <p:embed/>
                 </p:oleObj>
               </mc:Choice>
@@ -18722,10 +18608,7 @@
               <a:rPr lang="en-US" altLang="ko-KR" sz="2000" dirty="0" smtClean="0"/>
               <a:t>                                                         </a:t>
             </a:r>
-            <a:r>
-              <a:rPr lang="ko-KR" altLang="en-US" sz="2000" dirty="0" smtClean="0"/>
-              <a:t>회</a:t>
-            </a:r>
+            <a:endParaRPr lang="ko-KR" altLang="en-US" sz="2000" dirty="0" smtClean="0"/>
           </a:p>
           <a:p>
             <a:endParaRPr lang="ko-KR" altLang="en-US" sz="2000" dirty="0"/>
@@ -18751,11 +18634,7 @@
           <a:p>
             <a:r>
               <a:rPr lang="ko-KR" altLang="en-US" b="0" dirty="0" smtClean="0"/>
-              <a:t>삽입 </a:t>
-            </a:r>
-            <a:r>
-              <a:rPr lang="ko-KR" altLang="en-US" b="0" dirty="0" smtClean="0"/>
-              <a:t>정렬</a:t>
+              <a:t>삽입 정렬</a:t>
             </a:r>
             <a:endParaRPr lang="ko-KR" altLang="en-US" dirty="0"/>
           </a:p>
@@ -19146,17 +19025,23 @@
           <p:cNvGraphicFramePr>
             <a:graphicFrameLocks noChangeAspect="1"/>
           </p:cNvGraphicFramePr>
-          <p:nvPr/>
+          <p:nvPr>
+            <p:extLst>
+              <p:ext uri="{D42A27DB-BD31-4B8C-83A1-F6EECF244321}">
+                <p14:modId xmlns:p14="http://schemas.microsoft.com/office/powerpoint/2010/main" val="695557053"/>
+              </p:ext>
+            </p:extLst>
+          </p:nvPr>
         </p:nvGraphicFramePr>
         <p:xfrm>
-          <a:off x="2857488" y="4524873"/>
+          <a:off x="2987824" y="5157192"/>
           <a:ext cx="2532700" cy="522299"/>
         </p:xfrm>
         <a:graphic>
           <a:graphicData uri="http://schemas.openxmlformats.org/presentationml/2006/ole">
             <mc:AlternateContent xmlns:mc="http://schemas.openxmlformats.org/markup-compatibility/2006">
               <mc:Choice xmlns:v="urn:schemas-microsoft-com:vml" Requires="v">
-                <p:oleObj spid="_x0000_s8195" name="수식" r:id="rId4" imgW="2031840" imgH="419040" progId="Equation.3">
+                <p:oleObj spid="_x0000_s8197" name="수식" r:id="rId4" imgW="2031840" imgH="419040" progId="Equation.3">
                   <p:embed/>
                 </p:oleObj>
               </mc:Choice>
@@ -19186,7 +19071,7 @@
                     </p:blipFill>
                     <p:spPr bwMode="auto">
                       <a:xfrm>
-                        <a:off x="2857488" y="4524873"/>
+                        <a:off x="2987824" y="5157192"/>
                         <a:ext cx="2532700" cy="522299"/>
                       </a:xfrm>
                       <a:prstGeom prst="rect">
@@ -19298,11 +19183,7 @@
             </a:r>
             <a:r>
               <a:rPr lang="ko-KR" altLang="en-US" b="0" dirty="0" smtClean="0"/>
-              <a:t> </a:t>
-            </a:r>
-            <a:r>
-              <a:rPr lang="ko-KR" altLang="en-US" b="0" dirty="0" smtClean="0"/>
-              <a:t>정렬</a:t>
+              <a:t> 정렬</a:t>
             </a:r>
             <a:endParaRPr lang="ko-KR" altLang="en-US" dirty="0"/>
           </a:p>
@@ -19822,11 +19703,7 @@
             </a:r>
             <a:r>
               <a:rPr lang="ko-KR" altLang="en-US" b="0" dirty="0" smtClean="0"/>
-              <a:t> </a:t>
-            </a:r>
-            <a:r>
-              <a:rPr lang="ko-KR" altLang="en-US" b="0" dirty="0" smtClean="0"/>
-              <a:t>정렬</a:t>
+              <a:t> 정렬</a:t>
             </a:r>
             <a:endParaRPr lang="ko-KR" altLang="en-US" dirty="0"/>
           </a:p>
@@ -19886,7 +19763,7 @@
           <a:graphicData uri="http://schemas.openxmlformats.org/presentationml/2006/ole">
             <mc:AlternateContent xmlns:mc="http://schemas.openxmlformats.org/markup-compatibility/2006">
               <mc:Choice xmlns:v="urn:schemas-microsoft-com:vml" Requires="v">
-                <p:oleObj spid="_x0000_s9230" r:id="rId3" imgW="2860650" imgH="610822" progId="">
+                <p:oleObj spid="_x0000_s9254" r:id="rId3" imgW="2860650" imgH="610822" progId="">
                   <p:embed/>
                 </p:oleObj>
               </mc:Choice>
@@ -19994,7 +19871,7 @@
           <a:graphicData uri="http://schemas.openxmlformats.org/presentationml/2006/ole">
             <mc:AlternateContent xmlns:mc="http://schemas.openxmlformats.org/markup-compatibility/2006">
               <mc:Choice xmlns:v="urn:schemas-microsoft-com:vml" Requires="v">
-                <p:oleObj spid="_x0000_s9231" r:id="rId5" imgW="2519680" imgH="640976" progId="">
+                <p:oleObj spid="_x0000_s9255" r:id="rId5" imgW="2519680" imgH="640976" progId="">
                   <p:embed/>
                 </p:oleObj>
               </mc:Choice>
@@ -20102,7 +19979,7 @@
           <a:graphicData uri="http://schemas.openxmlformats.org/presentationml/2006/ole">
             <mc:AlternateContent xmlns:mc="http://schemas.openxmlformats.org/markup-compatibility/2006">
               <mc:Choice xmlns:v="urn:schemas-microsoft-com:vml" Requires="v">
-                <p:oleObj spid="_x0000_s9232" r:id="rId7" imgW="2860650" imgH="610822" progId="">
+                <p:oleObj spid="_x0000_s9256" r:id="rId7" imgW="2860650" imgH="610822" progId="">
                   <p:embed/>
                 </p:oleObj>
               </mc:Choice>
@@ -20210,7 +20087,7 @@
           <a:graphicData uri="http://schemas.openxmlformats.org/presentationml/2006/ole">
             <mc:AlternateContent xmlns:mc="http://schemas.openxmlformats.org/markup-compatibility/2006">
               <mc:Choice xmlns:v="urn:schemas-microsoft-com:vml" Requires="v">
-                <p:oleObj spid="_x0000_s9233" r:id="rId9" imgW="2464816" imgH="640976" progId="">
+                <p:oleObj spid="_x0000_s9257" r:id="rId9" imgW="2464816" imgH="640976" progId="">
                   <p:embed/>
                 </p:oleObj>
               </mc:Choice>
@@ -20318,7 +20195,7 @@
           <a:graphicData uri="http://schemas.openxmlformats.org/presentationml/2006/ole">
             <mc:AlternateContent xmlns:mc="http://schemas.openxmlformats.org/markup-compatibility/2006">
               <mc:Choice xmlns:v="urn:schemas-microsoft-com:vml" Requires="v">
-                <p:oleObj spid="_x0000_s9234" r:id="rId11" imgW="2554630" imgH="610822" progId="">
+                <p:oleObj spid="_x0000_s9258" r:id="rId11" imgW="2554630" imgH="610822" progId="">
                   <p:embed/>
                 </p:oleObj>
               </mc:Choice>
@@ -20388,7 +20265,7 @@
           <a:graphicData uri="http://schemas.openxmlformats.org/presentationml/2006/ole">
             <mc:AlternateContent xmlns:mc="http://schemas.openxmlformats.org/markup-compatibility/2006">
               <mc:Choice xmlns:v="urn:schemas-microsoft-com:vml" Requires="v">
-                <p:oleObj spid="_x0000_s9235" r:id="rId13" imgW="2463987" imgH="642779" progId="">
+                <p:oleObj spid="_x0000_s9259" r:id="rId13" imgW="2463987" imgH="642779" progId="">
                   <p:embed/>
                 </p:oleObj>
               </mc:Choice>
@@ -20496,7 +20373,7 @@
           <a:graphicData uri="http://schemas.openxmlformats.org/presentationml/2006/ole">
             <mc:AlternateContent xmlns:mc="http://schemas.openxmlformats.org/markup-compatibility/2006">
               <mc:Choice xmlns:v="urn:schemas-microsoft-com:vml" Requires="v">
-                <p:oleObj spid="_x0000_s9236" r:id="rId15" imgW="2590800" imgH="610822" progId="">
+                <p:oleObj spid="_x0000_s9260" r:id="rId15" imgW="2590800" imgH="610822" progId="">
                   <p:embed/>
                 </p:oleObj>
               </mc:Choice>
@@ -20604,7 +20481,7 @@
           <a:graphicData uri="http://schemas.openxmlformats.org/presentationml/2006/ole">
             <mc:AlternateContent xmlns:mc="http://schemas.openxmlformats.org/markup-compatibility/2006">
               <mc:Choice xmlns:v="urn:schemas-microsoft-com:vml" Requires="v">
-                <p:oleObj spid="_x0000_s9237" r:id="rId17" imgW="2519680" imgH="640976" progId="">
+                <p:oleObj spid="_x0000_s9261" r:id="rId17" imgW="2519680" imgH="640976" progId="">
                   <p:embed/>
                 </p:oleObj>
               </mc:Choice>
@@ -20712,7 +20589,7 @@
           <a:graphicData uri="http://schemas.openxmlformats.org/presentationml/2006/ole">
             <mc:AlternateContent xmlns:mc="http://schemas.openxmlformats.org/markup-compatibility/2006">
               <mc:Choice xmlns:v="urn:schemas-microsoft-com:vml" Requires="v">
-                <p:oleObj spid="_x0000_s9238" r:id="rId19" imgW="2464816" imgH="610822" progId="">
+                <p:oleObj spid="_x0000_s9262" r:id="rId19" imgW="2464816" imgH="610822" progId="">
                   <p:embed/>
                 </p:oleObj>
               </mc:Choice>
@@ -20820,7 +20697,7 @@
           <a:graphicData uri="http://schemas.openxmlformats.org/presentationml/2006/ole">
             <mc:AlternateContent xmlns:mc="http://schemas.openxmlformats.org/markup-compatibility/2006">
               <mc:Choice xmlns:v="urn:schemas-microsoft-com:vml" Requires="v">
-                <p:oleObj spid="_x0000_s9239" r:id="rId21" imgW="2519680" imgH="640976" progId="">
+                <p:oleObj spid="_x0000_s9263" r:id="rId21" imgW="2519680" imgH="640976" progId="">
                   <p:embed/>
                 </p:oleObj>
               </mc:Choice>
@@ -20928,7 +20805,7 @@
           <a:graphicData uri="http://schemas.openxmlformats.org/presentationml/2006/ole">
             <mc:AlternateContent xmlns:mc="http://schemas.openxmlformats.org/markup-compatibility/2006">
               <mc:Choice xmlns:v="urn:schemas-microsoft-com:vml" Requires="v">
-                <p:oleObj spid="_x0000_s9240" r:id="rId23" imgW="2464816" imgH="619787" progId="">
+                <p:oleObj spid="_x0000_s9264" r:id="rId23" imgW="2464816" imgH="619787" progId="">
                   <p:embed/>
                 </p:oleObj>
               </mc:Choice>
@@ -21036,7 +20913,7 @@
           <a:graphicData uri="http://schemas.openxmlformats.org/presentationml/2006/ole">
             <mc:AlternateContent xmlns:mc="http://schemas.openxmlformats.org/markup-compatibility/2006">
               <mc:Choice xmlns:v="urn:schemas-microsoft-com:vml" Requires="v">
-                <p:oleObj spid="_x0000_s9241" r:id="rId25" imgW="2464816" imgH="304800" progId="">
+                <p:oleObj spid="_x0000_s9265" r:id="rId25" imgW="2464816" imgH="304800" progId="">
                   <p:embed/>
                 </p:oleObj>
               </mc:Choice>
